--- a/资料文档/文档/新建 Microsoft PowerPoint 演示文稿.pptx
+++ b/资料文档/文档/新建 Microsoft PowerPoint 演示文稿.pptx
@@ -7,6 +7,7 @@
   <p:sldIdLst>
     <p:sldId id="256" r:id="rId2"/>
     <p:sldId id="257" r:id="rId3"/>
+    <p:sldId id="258" r:id="rId4"/>
   </p:sldIdLst>
   <p:sldSz cx="9144000" cy="6858000" type="screen4x3"/>
   <p:notesSz cx="6858000" cy="9144000"/>
@@ -289,7 +290,7 @@
           <a:p>
             <a:fld id="{530820CF-B880-4189-942D-D702A7CBA730}" type="datetimeFigureOut">
               <a:rPr lang="zh-CN" altLang="en-US" smtClean="0"/>
-              <a:t>2016/11/28</a:t>
+              <a:t>2016/12/1</a:t>
             </a:fld>
             <a:endParaRPr lang="zh-CN" altLang="en-US"/>
           </a:p>
@@ -454,7 +455,7 @@
           <a:p>
             <a:fld id="{530820CF-B880-4189-942D-D702A7CBA730}" type="datetimeFigureOut">
               <a:rPr lang="zh-CN" altLang="en-US" smtClean="0"/>
-              <a:t>2016/11/28</a:t>
+              <a:t>2016/12/1</a:t>
             </a:fld>
             <a:endParaRPr lang="zh-CN" altLang="en-US"/>
           </a:p>
@@ -629,7 +630,7 @@
           <a:p>
             <a:fld id="{530820CF-B880-4189-942D-D702A7CBA730}" type="datetimeFigureOut">
               <a:rPr lang="zh-CN" altLang="en-US" smtClean="0"/>
-              <a:t>2016/11/28</a:t>
+              <a:t>2016/12/1</a:t>
             </a:fld>
             <a:endParaRPr lang="zh-CN" altLang="en-US"/>
           </a:p>
@@ -794,7 +795,7 @@
           <a:p>
             <a:fld id="{530820CF-B880-4189-942D-D702A7CBA730}" type="datetimeFigureOut">
               <a:rPr lang="zh-CN" altLang="en-US" smtClean="0"/>
-              <a:t>2016/11/28</a:t>
+              <a:t>2016/12/1</a:t>
             </a:fld>
             <a:endParaRPr lang="zh-CN" altLang="en-US"/>
           </a:p>
@@ -1035,7 +1036,7 @@
           <a:p>
             <a:fld id="{530820CF-B880-4189-942D-D702A7CBA730}" type="datetimeFigureOut">
               <a:rPr lang="zh-CN" altLang="en-US" smtClean="0"/>
-              <a:t>2016/11/28</a:t>
+              <a:t>2016/12/1</a:t>
             </a:fld>
             <a:endParaRPr lang="zh-CN" altLang="en-US"/>
           </a:p>
@@ -1318,7 +1319,7 @@
           <a:p>
             <a:fld id="{530820CF-B880-4189-942D-D702A7CBA730}" type="datetimeFigureOut">
               <a:rPr lang="zh-CN" altLang="en-US" smtClean="0"/>
-              <a:t>2016/11/28</a:t>
+              <a:t>2016/12/1</a:t>
             </a:fld>
             <a:endParaRPr lang="zh-CN" altLang="en-US"/>
           </a:p>
@@ -1735,7 +1736,7 @@
           <a:p>
             <a:fld id="{530820CF-B880-4189-942D-D702A7CBA730}" type="datetimeFigureOut">
               <a:rPr lang="zh-CN" altLang="en-US" smtClean="0"/>
-              <a:t>2016/11/28</a:t>
+              <a:t>2016/12/1</a:t>
             </a:fld>
             <a:endParaRPr lang="zh-CN" altLang="en-US"/>
           </a:p>
@@ -1848,7 +1849,7 @@
           <a:p>
             <a:fld id="{530820CF-B880-4189-942D-D702A7CBA730}" type="datetimeFigureOut">
               <a:rPr lang="zh-CN" altLang="en-US" smtClean="0"/>
-              <a:t>2016/11/28</a:t>
+              <a:t>2016/12/1</a:t>
             </a:fld>
             <a:endParaRPr lang="zh-CN" altLang="en-US"/>
           </a:p>
@@ -1938,7 +1939,7 @@
           <a:p>
             <a:fld id="{530820CF-B880-4189-942D-D702A7CBA730}" type="datetimeFigureOut">
               <a:rPr lang="zh-CN" altLang="en-US" smtClean="0"/>
-              <a:t>2016/11/28</a:t>
+              <a:t>2016/12/1</a:t>
             </a:fld>
             <a:endParaRPr lang="zh-CN" altLang="en-US"/>
           </a:p>
@@ -2210,7 +2211,7 @@
           <a:p>
             <a:fld id="{530820CF-B880-4189-942D-D702A7CBA730}" type="datetimeFigureOut">
               <a:rPr lang="zh-CN" altLang="en-US" smtClean="0"/>
-              <a:t>2016/11/28</a:t>
+              <a:t>2016/12/1</a:t>
             </a:fld>
             <a:endParaRPr lang="zh-CN" altLang="en-US"/>
           </a:p>
@@ -2458,7 +2459,7 @@
           <a:p>
             <a:fld id="{530820CF-B880-4189-942D-D702A7CBA730}" type="datetimeFigureOut">
               <a:rPr lang="zh-CN" altLang="en-US" smtClean="0"/>
-              <a:t>2016/11/28</a:t>
+              <a:t>2016/12/1</a:t>
             </a:fld>
             <a:endParaRPr lang="zh-CN" altLang="en-US"/>
           </a:p>
@@ -2666,7 +2667,7 @@
           <a:p>
             <a:fld id="{530820CF-B880-4189-942D-D702A7CBA730}" type="datetimeFigureOut">
               <a:rPr lang="zh-CN" altLang="en-US" smtClean="0"/>
-              <a:t>2016/11/28</a:t>
+              <a:t>2016/12/1</a:t>
             </a:fld>
             <a:endParaRPr lang="zh-CN" altLang="en-US"/>
           </a:p>
@@ -3147,93 +3148,22 @@
       </p:grpSpPr>
       <p:sp>
         <p:nvSpPr>
-          <p:cNvPr id="5" name="TextBox 4"/>
-          <p:cNvSpPr txBox="1"/>
+          <p:cNvPr id="12" name="圆角矩形 11"/>
+          <p:cNvSpPr/>
           <p:nvPr/>
         </p:nvSpPr>
         <p:spPr>
           <a:xfrm>
-            <a:off x="2051720" y="548677"/>
-            <a:ext cx="4793813" cy="461665"/>
-          </a:xfrm>
-          <a:prstGeom prst="rect">
-            <a:avLst/>
-          </a:prstGeom>
-          <a:noFill/>
-        </p:spPr>
-        <p:txBody>
-          <a:bodyPr wrap="none" rtlCol="0">
-            <a:spAutoFit/>
-          </a:bodyPr>
-          <a:lstStyle/>
-          <a:p>
-            <a:r>
-              <a:rPr lang="en-US" altLang="zh-CN" sz="2400" b="1" dirty="0" smtClean="0"/>
-              <a:t>Docker+crawler</a:t>
-            </a:r>
-            <a:r>
-              <a:rPr lang="en-US" altLang="zh-CN" sz="2400" b="1" dirty="0" smtClean="0">
-                <a:sym typeface="Wingdings" pitchFamily="2" charset="2"/>
-              </a:rPr>
-              <a:t></a:t>
-            </a:r>
-            <a:r>
-              <a:rPr lang="zh-CN" altLang="en-US" sz="2400" b="1" dirty="0" smtClean="0">
-                <a:sym typeface="Wingdings" pitchFamily="2" charset="2"/>
-              </a:rPr>
-              <a:t>得到</a:t>
-            </a:r>
-            <a:r>
-              <a:rPr lang="en-US" altLang="zh-CN" sz="2400" b="1" dirty="0" smtClean="0">
-                <a:sym typeface="Wingdings" pitchFamily="2" charset="2"/>
-              </a:rPr>
-              <a:t>crawler-node</a:t>
-            </a:r>
-            <a:endParaRPr lang="zh-CN" altLang="en-US" sz="2400" dirty="0"/>
-          </a:p>
-        </p:txBody>
-      </p:sp>
-      <p:sp>
-        <p:nvSpPr>
-          <p:cNvPr id="6" name="圆角矩形 5"/>
-          <p:cNvSpPr/>
-          <p:nvPr/>
-        </p:nvSpPr>
-        <p:spPr>
-          <a:xfrm>
-            <a:off x="1259632" y="1010342"/>
-            <a:ext cx="6984776" cy="5040560"/>
+            <a:off x="488186" y="1172989"/>
+            <a:ext cx="7920880" cy="5328592"/>
           </a:xfrm>
           <a:prstGeom prst="roundRect">
             <a:avLst/>
           </a:prstGeom>
-          <a:gradFill flip="none" rotWithShape="1">
-            <a:gsLst>
-              <a:gs pos="0">
-                <a:schemeClr val="accent1">
-                  <a:shade val="30000"/>
-                  <a:satMod val="115000"/>
-                </a:schemeClr>
-              </a:gs>
-              <a:gs pos="50000">
-                <a:schemeClr val="accent1">
-                  <a:shade val="67500"/>
-                  <a:satMod val="115000"/>
-                </a:schemeClr>
-              </a:gs>
-              <a:gs pos="100000">
-                <a:schemeClr val="accent1">
-                  <a:shade val="100000"/>
-                  <a:satMod val="115000"/>
-                </a:schemeClr>
-              </a:gs>
-            </a:gsLst>
-            <a:lin ang="2700000" scaled="1"/>
-            <a:tileRect/>
-          </a:gradFill>
-          <a:ln>
-            <a:noFill/>
-          </a:ln>
+          <a:solidFill>
+            <a:schemeClr val="bg1"/>
+          </a:solidFill>
+          <a:ln w="63500"/>
         </p:spPr>
         <p:style>
           <a:lnRef idx="2">
@@ -3256,25 +3186,28 @@
           <a:lstStyle/>
           <a:p>
             <a:pPr algn="ctr"/>
-            <a:endParaRPr lang="zh-CN" altLang="en-US" dirty="0"/>
-          </a:p>
-        </p:txBody>
-      </p:sp>
-      <p:sp>
-        <p:nvSpPr>
-          <p:cNvPr id="7" name="TextBox 6"/>
+            <a:endParaRPr lang="zh-CN" altLang="en-US"/>
+          </a:p>
+        </p:txBody>
+      </p:sp>
+      <p:sp>
+        <p:nvSpPr>
+          <p:cNvPr id="5" name="TextBox 4"/>
           <p:cNvSpPr txBox="1"/>
           <p:nvPr/>
         </p:nvSpPr>
         <p:spPr>
           <a:xfrm>
-            <a:off x="1835696" y="1669836"/>
-            <a:ext cx="1945854" cy="461665"/>
+            <a:off x="2051720" y="548677"/>
+            <a:ext cx="4793813" cy="461665"/>
           </a:xfrm>
           <a:prstGeom prst="rect">
             <a:avLst/>
           </a:prstGeom>
           <a:noFill/>
+          <a:ln w="50800">
+            <a:noFill/>
+          </a:ln>
         </p:spPr>
         <p:txBody>
           <a:bodyPr wrap="none" rtlCol="0">
@@ -3283,86 +3216,93 @@
           <a:lstStyle/>
           <a:p>
             <a:r>
+              <a:rPr lang="en-US" altLang="zh-CN" sz="2400" b="1" dirty="0" smtClean="0"/>
+              <a:t>Docker+crawler</a:t>
+            </a:r>
+            <a:r>
               <a:rPr lang="en-US" altLang="zh-CN" sz="2400" b="1" dirty="0" smtClean="0">
-                <a:solidFill>
-                  <a:schemeClr val="bg1"/>
-                </a:solidFill>
+                <a:sym typeface="Wingdings" pitchFamily="2" charset="2"/>
               </a:rPr>
-              <a:t>Docker-image</a:t>
-            </a:r>
-            <a:endParaRPr lang="zh-CN" altLang="en-US" sz="2400" b="1" dirty="0">
-              <a:solidFill>
-                <a:schemeClr val="bg1"/>
-              </a:solidFill>
-            </a:endParaRPr>
-          </a:p>
-        </p:txBody>
-      </p:sp>
-      <p:sp>
-        <p:nvSpPr>
-          <p:cNvPr id="8" name="矩形 7"/>
+              <a:t></a:t>
+            </a:r>
+            <a:r>
+              <a:rPr lang="zh-CN" altLang="en-US" sz="2400" b="1" dirty="0" smtClean="0">
+                <a:sym typeface="Wingdings" pitchFamily="2" charset="2"/>
+              </a:rPr>
+              <a:t>得到</a:t>
+            </a:r>
+            <a:r>
+              <a:rPr lang="en-US" altLang="zh-CN" sz="2400" b="1" dirty="0" smtClean="0">
+                <a:sym typeface="Wingdings" pitchFamily="2" charset="2"/>
+              </a:rPr>
+              <a:t>crawler-node</a:t>
+            </a:r>
+            <a:endParaRPr lang="zh-CN" altLang="en-US" sz="2400" dirty="0"/>
+          </a:p>
+        </p:txBody>
+      </p:sp>
+      <p:sp>
+        <p:nvSpPr>
+          <p:cNvPr id="3" name="圆角矩形 2"/>
           <p:cNvSpPr/>
           <p:nvPr/>
         </p:nvSpPr>
         <p:spPr>
           <a:xfrm>
-            <a:off x="2286000" y="2413338"/>
-            <a:ext cx="4572000" cy="1754326"/>
-          </a:xfrm>
-          <a:prstGeom prst="rect">
+            <a:off x="836128" y="1498298"/>
+            <a:ext cx="6009405" cy="3370862"/>
+          </a:xfrm>
+          <a:prstGeom prst="roundRect">
             <a:avLst/>
           </a:prstGeom>
-        </p:spPr>
-        <p:txBody>
-          <a:bodyPr>
-            <a:spAutoFit/>
-          </a:bodyPr>
-          <a:lstStyle/>
-          <a:p>
-            <a:endParaRPr lang="en-US" altLang="zh-CN" dirty="0"/>
-          </a:p>
-          <a:p>
-            <a:r>
-              <a:rPr lang="en-US" altLang="zh-CN" dirty="0"/>
-              <a:t>docker  registries</a:t>
-            </a:r>
-          </a:p>
-          <a:p>
-            <a:endParaRPr lang="en-US" altLang="zh-CN" dirty="0"/>
-          </a:p>
-          <a:p>
-            <a:r>
-              <a:rPr lang="en-US" altLang="zh-CN" dirty="0"/>
-              <a:t>docker  containers</a:t>
-            </a:r>
-          </a:p>
-          <a:p>
-            <a:endParaRPr lang="en-US" altLang="zh-CN" dirty="0"/>
-          </a:p>
-          <a:p>
-            <a:r>
-              <a:rPr lang="en-US" altLang="zh-CN" dirty="0"/>
-              <a:t>Docker  images</a:t>
-            </a:r>
-            <a:endParaRPr lang="zh-CN" altLang="en-US" dirty="0"/>
-          </a:p>
-        </p:txBody>
-      </p:sp>
-      <p:sp>
-        <p:nvSpPr>
-          <p:cNvPr id="10" name="TextBox 9"/>
+          <a:solidFill>
+            <a:schemeClr val="bg1"/>
+          </a:solidFill>
+          <a:ln w="50800"/>
+        </p:spPr>
+        <p:style>
+          <a:lnRef idx="2">
+            <a:schemeClr val="accent1">
+              <a:shade val="50000"/>
+            </a:schemeClr>
+          </a:lnRef>
+          <a:fillRef idx="1">
+            <a:schemeClr val="accent1"/>
+          </a:fillRef>
+          <a:effectRef idx="0">
+            <a:schemeClr val="accent1"/>
+          </a:effectRef>
+          <a:fontRef idx="minor">
+            <a:schemeClr val="lt1"/>
+          </a:fontRef>
+        </p:style>
+        <p:txBody>
+          <a:bodyPr rtlCol="0" anchor="ctr"/>
+          <a:lstStyle/>
+          <a:p>
+            <a:pPr algn="ctr"/>
+            <a:endParaRPr lang="zh-CN" altLang="en-US"/>
+          </a:p>
+        </p:txBody>
+      </p:sp>
+      <p:sp>
+        <p:nvSpPr>
+          <p:cNvPr id="7" name="TextBox 6"/>
           <p:cNvSpPr txBox="1"/>
           <p:nvPr/>
         </p:nvSpPr>
         <p:spPr>
           <a:xfrm>
-            <a:off x="5148064" y="1921147"/>
-            <a:ext cx="1808316" cy="646331"/>
+            <a:off x="947156" y="1923337"/>
+            <a:ext cx="1945854" cy="461665"/>
           </a:xfrm>
           <a:prstGeom prst="rect">
             <a:avLst/>
           </a:prstGeom>
           <a:noFill/>
+          <a:ln w="0">
+            <a:noFill/>
+          </a:ln>
         </p:spPr>
         <p:txBody>
           <a:bodyPr wrap="none" rtlCol="0">
@@ -3371,34 +3311,31 @@
           <a:lstStyle/>
           <a:p>
             <a:r>
-              <a:rPr lang="en-US" altLang="zh-CN" b="1" dirty="0">
-                <a:solidFill>
-                  <a:schemeClr val="bg1"/>
-                </a:solidFill>
-              </a:rPr>
-              <a:t>docker  registries</a:t>
-            </a:r>
-          </a:p>
-          <a:p>
-            <a:endParaRPr lang="zh-CN" altLang="en-US" dirty="0"/>
-          </a:p>
-        </p:txBody>
-      </p:sp>
-      <p:sp>
-        <p:nvSpPr>
-          <p:cNvPr id="11" name="TextBox 10"/>
+              <a:rPr lang="en-US" altLang="zh-CN" sz="2400" b="1" dirty="0" smtClean="0"/>
+              <a:t>Docker-image</a:t>
+            </a:r>
+            <a:endParaRPr lang="zh-CN" altLang="en-US" sz="2400" b="1" dirty="0"/>
+          </a:p>
+        </p:txBody>
+      </p:sp>
+      <p:sp>
+        <p:nvSpPr>
+          <p:cNvPr id="9" name="TextBox 8"/>
           <p:cNvSpPr txBox="1"/>
           <p:nvPr/>
         </p:nvSpPr>
         <p:spPr>
           <a:xfrm>
-            <a:off x="5260050" y="2644170"/>
-            <a:ext cx="1605761" cy="646331"/>
+            <a:off x="1187624" y="5373216"/>
+            <a:ext cx="2062616" cy="646331"/>
           </a:xfrm>
           <a:prstGeom prst="rect">
             <a:avLst/>
           </a:prstGeom>
           <a:noFill/>
+          <a:ln w="50800">
+            <a:noFill/>
+          </a:ln>
         </p:spPr>
         <p:txBody>
           <a:bodyPr wrap="none" rtlCol="0">
@@ -3407,11 +3344,81 @@
           <a:lstStyle/>
           <a:p>
             <a:r>
-              <a:rPr lang="en-US" altLang="zh-CN" b="1" dirty="0"/>
-              <a:t>docker  images</a:t>
-            </a:r>
-          </a:p>
-          <a:p>
+              <a:rPr lang="en-US" altLang="zh-CN" sz="3600" b="1" dirty="0" smtClean="0"/>
+              <a:t>Container</a:t>
+            </a:r>
+            <a:endParaRPr lang="zh-CN" altLang="en-US" sz="3600" b="1" dirty="0"/>
+          </a:p>
+        </p:txBody>
+      </p:sp>
+      <p:sp>
+        <p:nvSpPr>
+          <p:cNvPr id="14" name="圆角矩形 13"/>
+          <p:cNvSpPr/>
+          <p:nvPr/>
+        </p:nvSpPr>
+        <p:spPr>
+          <a:xfrm>
+            <a:off x="3481395" y="2078407"/>
+            <a:ext cx="2736304" cy="2304256"/>
+          </a:xfrm>
+          <a:prstGeom prst="roundRect">
+            <a:avLst/>
+          </a:prstGeom>
+          <a:noFill/>
+          <a:ln w="63500"/>
+        </p:spPr>
+        <p:style>
+          <a:lnRef idx="2">
+            <a:schemeClr val="accent1">
+              <a:shade val="50000"/>
+            </a:schemeClr>
+          </a:lnRef>
+          <a:fillRef idx="1">
+            <a:schemeClr val="accent1"/>
+          </a:fillRef>
+          <a:effectRef idx="0">
+            <a:schemeClr val="accent1"/>
+          </a:effectRef>
+          <a:fontRef idx="minor">
+            <a:schemeClr val="lt1"/>
+          </a:fontRef>
+        </p:style>
+        <p:txBody>
+          <a:bodyPr rtlCol="0" anchor="ctr"/>
+          <a:lstStyle/>
+          <a:p>
+            <a:pPr algn="ctr"/>
+            <a:endParaRPr lang="zh-CN" altLang="en-US"/>
+          </a:p>
+        </p:txBody>
+      </p:sp>
+      <p:sp>
+        <p:nvSpPr>
+          <p:cNvPr id="15" name="TextBox 14"/>
+          <p:cNvSpPr txBox="1"/>
+          <p:nvPr/>
+        </p:nvSpPr>
+        <p:spPr>
+          <a:xfrm>
+            <a:off x="3854315" y="2621906"/>
+            <a:ext cx="1948097" cy="369332"/>
+          </a:xfrm>
+          <a:prstGeom prst="rect">
+            <a:avLst/>
+          </a:prstGeom>
+          <a:noFill/>
+        </p:spPr>
+        <p:txBody>
+          <a:bodyPr wrap="none" rtlCol="0">
+            <a:spAutoFit/>
+          </a:bodyPr>
+          <a:lstStyle/>
+          <a:p>
+            <a:r>
+              <a:rPr lang="en-US" altLang="zh-CN" b="1" dirty="0" smtClean="0"/>
+              <a:t>Python-Crawler.py</a:t>
+            </a:r>
             <a:endParaRPr lang="zh-CN" altLang="en-US" b="1" dirty="0"/>
           </a:p>
         </p:txBody>
@@ -3420,6 +3427,433 @@
     <p:extLst>
       <p:ext uri="{BB962C8B-B14F-4D97-AF65-F5344CB8AC3E}">
         <p14:creationId xmlns:p14="http://schemas.microsoft.com/office/powerpoint/2010/main" val="3394127691"/>
+      </p:ext>
+    </p:extLst>
+  </p:cSld>
+  <p:clrMapOvr>
+    <a:masterClrMapping/>
+  </p:clrMapOvr>
+</p:sld>
+</file>
+
+<file path=ppt/slides/slide3.xml><?xml version="1.0" encoding="utf-8"?>
+<p:sld xmlns:a="http://schemas.openxmlformats.org/drawingml/2006/main" xmlns:r="http://schemas.openxmlformats.org/officeDocument/2006/relationships" xmlns:p="http://schemas.openxmlformats.org/presentationml/2006/main">
+  <p:cSld>
+    <p:spTree>
+      <p:nvGrpSpPr>
+        <p:cNvPr id="1" name=""/>
+        <p:cNvGrpSpPr/>
+        <p:nvPr/>
+      </p:nvGrpSpPr>
+      <p:grpSpPr>
+        <a:xfrm>
+          <a:off x="0" y="0"/>
+          <a:ext cx="0" cy="0"/>
+          <a:chOff x="0" y="0"/>
+          <a:chExt cx="0" cy="0"/>
+        </a:xfrm>
+      </p:grpSpPr>
+      <p:sp>
+        <p:nvSpPr>
+          <p:cNvPr id="4" name="椭圆 3"/>
+          <p:cNvSpPr/>
+          <p:nvPr/>
+        </p:nvSpPr>
+        <p:spPr>
+          <a:xfrm>
+            <a:off x="1763688" y="476672"/>
+            <a:ext cx="5760640" cy="5760640"/>
+          </a:xfrm>
+          <a:prstGeom prst="ellipse">
+            <a:avLst/>
+          </a:prstGeom>
+          <a:noFill/>
+          <a:ln w="63500"/>
+        </p:spPr>
+        <p:style>
+          <a:lnRef idx="2">
+            <a:schemeClr val="accent1">
+              <a:shade val="50000"/>
+            </a:schemeClr>
+          </a:lnRef>
+          <a:fillRef idx="1">
+            <a:schemeClr val="accent1"/>
+          </a:fillRef>
+          <a:effectRef idx="0">
+            <a:schemeClr val="accent1"/>
+          </a:effectRef>
+          <a:fontRef idx="minor">
+            <a:schemeClr val="lt1"/>
+          </a:fontRef>
+        </p:style>
+        <p:txBody>
+          <a:bodyPr rtlCol="0" anchor="ctr"/>
+          <a:lstStyle/>
+          <a:p>
+            <a:pPr algn="ctr"/>
+            <a:endParaRPr lang="zh-CN" altLang="en-US"/>
+          </a:p>
+        </p:txBody>
+      </p:sp>
+      <p:sp>
+        <p:nvSpPr>
+          <p:cNvPr id="5" name="椭圆 4"/>
+          <p:cNvSpPr/>
+          <p:nvPr/>
+        </p:nvSpPr>
+        <p:spPr>
+          <a:xfrm>
+            <a:off x="3995936" y="2708920"/>
+            <a:ext cx="1296144" cy="1296144"/>
+          </a:xfrm>
+          <a:prstGeom prst="ellipse">
+            <a:avLst/>
+          </a:prstGeom>
+          <a:noFill/>
+          <a:ln w="63500"/>
+        </p:spPr>
+        <p:style>
+          <a:lnRef idx="2">
+            <a:schemeClr val="accent1">
+              <a:shade val="50000"/>
+            </a:schemeClr>
+          </a:lnRef>
+          <a:fillRef idx="1">
+            <a:schemeClr val="accent1"/>
+          </a:fillRef>
+          <a:effectRef idx="0">
+            <a:schemeClr val="accent1"/>
+          </a:effectRef>
+          <a:fontRef idx="minor">
+            <a:schemeClr val="lt1"/>
+          </a:fontRef>
+        </p:style>
+        <p:txBody>
+          <a:bodyPr rtlCol="0" anchor="ctr"/>
+          <a:lstStyle/>
+          <a:p>
+            <a:pPr algn="ctr"/>
+            <a:endParaRPr lang="zh-CN" altLang="en-US"/>
+          </a:p>
+        </p:txBody>
+      </p:sp>
+      <p:cxnSp>
+        <p:nvCxnSpPr>
+          <p:cNvPr id="7" name="直接连接符 6"/>
+          <p:cNvCxnSpPr>
+            <a:stCxn id="4" idx="0"/>
+            <a:endCxn id="5" idx="0"/>
+          </p:cNvCxnSpPr>
+          <p:nvPr/>
+        </p:nvCxnSpPr>
+        <p:spPr>
+          <a:xfrm>
+            <a:off x="4644008" y="476672"/>
+            <a:ext cx="0" cy="2232248"/>
+          </a:xfrm>
+          <a:prstGeom prst="line">
+            <a:avLst/>
+          </a:prstGeom>
+        </p:spPr>
+        <p:style>
+          <a:lnRef idx="1">
+            <a:schemeClr val="accent1"/>
+          </a:lnRef>
+          <a:fillRef idx="0">
+            <a:schemeClr val="accent1"/>
+          </a:fillRef>
+          <a:effectRef idx="0">
+            <a:schemeClr val="accent1"/>
+          </a:effectRef>
+          <a:fontRef idx="minor">
+            <a:schemeClr val="tx1"/>
+          </a:fontRef>
+        </p:style>
+      </p:cxnSp>
+      <p:cxnSp>
+        <p:nvCxnSpPr>
+          <p:cNvPr id="11" name="直接连接符 10"/>
+          <p:cNvCxnSpPr>
+            <a:stCxn id="5" idx="4"/>
+            <a:endCxn id="4" idx="4"/>
+          </p:cNvCxnSpPr>
+          <p:nvPr/>
+        </p:nvCxnSpPr>
+        <p:spPr>
+          <a:xfrm>
+            <a:off x="4644008" y="4005064"/>
+            <a:ext cx="0" cy="2232248"/>
+          </a:xfrm>
+          <a:prstGeom prst="line">
+            <a:avLst/>
+          </a:prstGeom>
+        </p:spPr>
+        <p:style>
+          <a:lnRef idx="1">
+            <a:schemeClr val="accent1"/>
+          </a:lnRef>
+          <a:fillRef idx="0">
+            <a:schemeClr val="accent1"/>
+          </a:fillRef>
+          <a:effectRef idx="0">
+            <a:schemeClr val="accent1"/>
+          </a:effectRef>
+          <a:fontRef idx="minor">
+            <a:schemeClr val="tx1"/>
+          </a:fontRef>
+        </p:style>
+      </p:cxnSp>
+      <p:cxnSp>
+        <p:nvCxnSpPr>
+          <p:cNvPr id="13" name="直接连接符 12"/>
+          <p:cNvCxnSpPr>
+            <a:stCxn id="5" idx="6"/>
+            <a:endCxn id="4" idx="6"/>
+          </p:cNvCxnSpPr>
+          <p:nvPr/>
+        </p:nvCxnSpPr>
+        <p:spPr>
+          <a:xfrm>
+            <a:off x="5292080" y="3356992"/>
+            <a:ext cx="2232248" cy="0"/>
+          </a:xfrm>
+          <a:prstGeom prst="line">
+            <a:avLst/>
+          </a:prstGeom>
+        </p:spPr>
+        <p:style>
+          <a:lnRef idx="1">
+            <a:schemeClr val="accent1"/>
+          </a:lnRef>
+          <a:fillRef idx="0">
+            <a:schemeClr val="accent1"/>
+          </a:fillRef>
+          <a:effectRef idx="0">
+            <a:schemeClr val="accent1"/>
+          </a:effectRef>
+          <a:fontRef idx="minor">
+            <a:schemeClr val="tx1"/>
+          </a:fontRef>
+        </p:style>
+      </p:cxnSp>
+      <p:cxnSp>
+        <p:nvCxnSpPr>
+          <p:cNvPr id="15" name="直接连接符 14"/>
+          <p:cNvCxnSpPr>
+            <a:stCxn id="5" idx="2"/>
+            <a:endCxn id="4" idx="2"/>
+          </p:cNvCxnSpPr>
+          <p:nvPr/>
+        </p:nvCxnSpPr>
+        <p:spPr>
+          <a:xfrm flipH="1">
+            <a:off x="1763688" y="3356992"/>
+            <a:ext cx="2232248" cy="0"/>
+          </a:xfrm>
+          <a:prstGeom prst="line">
+            <a:avLst/>
+          </a:prstGeom>
+        </p:spPr>
+        <p:style>
+          <a:lnRef idx="1">
+            <a:schemeClr val="accent1"/>
+          </a:lnRef>
+          <a:fillRef idx="0">
+            <a:schemeClr val="accent1"/>
+          </a:fillRef>
+          <a:effectRef idx="0">
+            <a:schemeClr val="accent1"/>
+          </a:effectRef>
+          <a:fontRef idx="minor">
+            <a:schemeClr val="tx1"/>
+          </a:fontRef>
+        </p:style>
+      </p:cxnSp>
+      <p:cxnSp>
+        <p:nvCxnSpPr>
+          <p:cNvPr id="17" name="直接连接符 16"/>
+          <p:cNvCxnSpPr>
+            <a:stCxn id="5" idx="1"/>
+            <a:endCxn id="4" idx="1"/>
+          </p:cNvCxnSpPr>
+          <p:nvPr/>
+        </p:nvCxnSpPr>
+        <p:spPr>
+          <a:xfrm flipH="1" flipV="1">
+            <a:off x="2607314" y="1320298"/>
+            <a:ext cx="1578438" cy="1578438"/>
+          </a:xfrm>
+          <a:prstGeom prst="line">
+            <a:avLst/>
+          </a:prstGeom>
+        </p:spPr>
+        <p:style>
+          <a:lnRef idx="1">
+            <a:schemeClr val="accent1"/>
+          </a:lnRef>
+          <a:fillRef idx="0">
+            <a:schemeClr val="accent1"/>
+          </a:fillRef>
+          <a:effectRef idx="0">
+            <a:schemeClr val="accent1"/>
+          </a:effectRef>
+          <a:fontRef idx="minor">
+            <a:schemeClr val="tx1"/>
+          </a:fontRef>
+        </p:style>
+      </p:cxnSp>
+      <p:cxnSp>
+        <p:nvCxnSpPr>
+          <p:cNvPr id="19" name="直接连接符 18"/>
+          <p:cNvCxnSpPr>
+            <a:stCxn id="5" idx="7"/>
+            <a:endCxn id="4" idx="7"/>
+          </p:cNvCxnSpPr>
+          <p:nvPr/>
+        </p:nvCxnSpPr>
+        <p:spPr>
+          <a:xfrm flipV="1">
+            <a:off x="5102264" y="1320298"/>
+            <a:ext cx="1578438" cy="1578438"/>
+          </a:xfrm>
+          <a:prstGeom prst="line">
+            <a:avLst/>
+          </a:prstGeom>
+        </p:spPr>
+        <p:style>
+          <a:lnRef idx="1">
+            <a:schemeClr val="accent1"/>
+          </a:lnRef>
+          <a:fillRef idx="0">
+            <a:schemeClr val="accent1"/>
+          </a:fillRef>
+          <a:effectRef idx="0">
+            <a:schemeClr val="accent1"/>
+          </a:effectRef>
+          <a:fontRef idx="minor">
+            <a:schemeClr val="tx1"/>
+          </a:fontRef>
+        </p:style>
+      </p:cxnSp>
+      <p:cxnSp>
+        <p:nvCxnSpPr>
+          <p:cNvPr id="21" name="直接连接符 20"/>
+          <p:cNvCxnSpPr>
+            <a:stCxn id="5" idx="5"/>
+            <a:endCxn id="4" idx="5"/>
+          </p:cNvCxnSpPr>
+          <p:nvPr/>
+        </p:nvCxnSpPr>
+        <p:spPr>
+          <a:xfrm>
+            <a:off x="5102264" y="3815248"/>
+            <a:ext cx="1578438" cy="1578438"/>
+          </a:xfrm>
+          <a:prstGeom prst="line">
+            <a:avLst/>
+          </a:prstGeom>
+        </p:spPr>
+        <p:style>
+          <a:lnRef idx="1">
+            <a:schemeClr val="accent1"/>
+          </a:lnRef>
+          <a:fillRef idx="0">
+            <a:schemeClr val="accent1"/>
+          </a:fillRef>
+          <a:effectRef idx="0">
+            <a:schemeClr val="accent1"/>
+          </a:effectRef>
+          <a:fontRef idx="minor">
+            <a:schemeClr val="tx1"/>
+          </a:fontRef>
+        </p:style>
+      </p:cxnSp>
+      <p:cxnSp>
+        <p:nvCxnSpPr>
+          <p:cNvPr id="23" name="直接连接符 22"/>
+          <p:cNvCxnSpPr>
+            <a:stCxn id="5" idx="3"/>
+            <a:endCxn id="4" idx="3"/>
+          </p:cNvCxnSpPr>
+          <p:nvPr/>
+        </p:nvCxnSpPr>
+        <p:spPr>
+          <a:xfrm flipH="1">
+            <a:off x="2607314" y="3815248"/>
+            <a:ext cx="1578438" cy="1578438"/>
+          </a:xfrm>
+          <a:prstGeom prst="line">
+            <a:avLst/>
+          </a:prstGeom>
+        </p:spPr>
+        <p:style>
+          <a:lnRef idx="1">
+            <a:schemeClr val="accent1"/>
+          </a:lnRef>
+          <a:fillRef idx="0">
+            <a:schemeClr val="accent1"/>
+          </a:fillRef>
+          <a:effectRef idx="0">
+            <a:schemeClr val="accent1"/>
+          </a:effectRef>
+          <a:fontRef idx="minor">
+            <a:schemeClr val="tx1"/>
+          </a:fontRef>
+        </p:style>
+      </p:cxnSp>
+      <p:sp>
+        <p:nvSpPr>
+          <p:cNvPr id="24" name="弧形 23"/>
+          <p:cNvSpPr/>
+          <p:nvPr/>
+        </p:nvSpPr>
+        <p:spPr>
+          <a:xfrm rot="18353784">
+            <a:off x="2454744" y="1448411"/>
+            <a:ext cx="2662728" cy="1322213"/>
+          </a:xfrm>
+          <a:prstGeom prst="arc">
+            <a:avLst/>
+          </a:prstGeom>
+          <a:ln>
+            <a:solidFill>
+              <a:schemeClr val="accent1">
+                <a:shade val="95000"/>
+                <a:satMod val="105000"/>
+              </a:schemeClr>
+            </a:solidFill>
+            <a:prstDash val="sysDash"/>
+            <a:headEnd type="stealth" w="lg" len="lg"/>
+            <a:tailEnd w="med" len="med"/>
+          </a:ln>
+        </p:spPr>
+        <p:style>
+          <a:lnRef idx="1">
+            <a:schemeClr val="accent1"/>
+          </a:lnRef>
+          <a:fillRef idx="0">
+            <a:schemeClr val="accent1"/>
+          </a:fillRef>
+          <a:effectRef idx="0">
+            <a:schemeClr val="accent1"/>
+          </a:effectRef>
+          <a:fontRef idx="minor">
+            <a:schemeClr val="tx1"/>
+          </a:fontRef>
+        </p:style>
+        <p:txBody>
+          <a:bodyPr rtlCol="0" anchor="ctr"/>
+          <a:lstStyle/>
+          <a:p>
+            <a:pPr algn="ctr"/>
+            <a:endParaRPr lang="zh-CN" altLang="en-US"/>
+          </a:p>
+        </p:txBody>
+      </p:sp>
+    </p:spTree>
+    <p:extLst>
+      <p:ext uri="{BB962C8B-B14F-4D97-AF65-F5344CB8AC3E}">
+        <p14:creationId xmlns:p14="http://schemas.microsoft.com/office/powerpoint/2010/main" val="1099696398"/>
       </p:ext>
     </p:extLst>
   </p:cSld>
